--- a/assets uarm/2023 2 UarmPCrit/tesis docs/esquema tesis expo.pptx
+++ b/assets uarm/2023 2 UarmPCrit/tesis docs/esquema tesis expo.pptx
@@ -29,6 +29,9 @@
     <p:sldId id="276" r:id="rId23"/>
     <p:sldId id="277" r:id="rId24"/>
     <p:sldId id="278" r:id="rId25"/>
+    <p:sldId id="280" r:id="rId26"/>
+    <p:sldId id="281" r:id="rId27"/>
+    <p:sldId id="282" r:id="rId28"/>
   </p:sldIdLst>
   <p:sldSz cx="12192000" cy="6858000"/>
   <p:notesSz cx="6858000" cy="9144000"/>
@@ -266,7 +269,7 @@
           <a:p>
             <a:fld id="{A8BB1F61-4653-4993-8BF1-FA75140DA699}" type="datetimeFigureOut">
               <a:rPr lang="es-PE" smtClean="0"/>
-              <a:t>1/11/2023</a:t>
+              <a:t>6/11/2023</a:t>
             </a:fld>
             <a:endParaRPr lang="es-PE"/>
           </a:p>
@@ -436,7 +439,7 @@
           <a:p>
             <a:fld id="{A8BB1F61-4653-4993-8BF1-FA75140DA699}" type="datetimeFigureOut">
               <a:rPr lang="es-PE" smtClean="0"/>
-              <a:t>1/11/2023</a:t>
+              <a:t>6/11/2023</a:t>
             </a:fld>
             <a:endParaRPr lang="es-PE"/>
           </a:p>
@@ -616,7 +619,7 @@
           <a:p>
             <a:fld id="{A8BB1F61-4653-4993-8BF1-FA75140DA699}" type="datetimeFigureOut">
               <a:rPr lang="es-PE" smtClean="0"/>
-              <a:t>1/11/2023</a:t>
+              <a:t>6/11/2023</a:t>
             </a:fld>
             <a:endParaRPr lang="es-PE"/>
           </a:p>
@@ -786,7 +789,7 @@
           <a:p>
             <a:fld id="{A8BB1F61-4653-4993-8BF1-FA75140DA699}" type="datetimeFigureOut">
               <a:rPr lang="es-PE" smtClean="0"/>
-              <a:t>1/11/2023</a:t>
+              <a:t>6/11/2023</a:t>
             </a:fld>
             <a:endParaRPr lang="es-PE"/>
           </a:p>
@@ -1032,7 +1035,7 @@
           <a:p>
             <a:fld id="{A8BB1F61-4653-4993-8BF1-FA75140DA699}" type="datetimeFigureOut">
               <a:rPr lang="es-PE" smtClean="0"/>
-              <a:t>1/11/2023</a:t>
+              <a:t>6/11/2023</a:t>
             </a:fld>
             <a:endParaRPr lang="es-PE"/>
           </a:p>
@@ -1264,7 +1267,7 @@
           <a:p>
             <a:fld id="{A8BB1F61-4653-4993-8BF1-FA75140DA699}" type="datetimeFigureOut">
               <a:rPr lang="es-PE" smtClean="0"/>
-              <a:t>1/11/2023</a:t>
+              <a:t>6/11/2023</a:t>
             </a:fld>
             <a:endParaRPr lang="es-PE"/>
           </a:p>
@@ -1631,7 +1634,7 @@
           <a:p>
             <a:fld id="{A8BB1F61-4653-4993-8BF1-FA75140DA699}" type="datetimeFigureOut">
               <a:rPr lang="es-PE" smtClean="0"/>
-              <a:t>1/11/2023</a:t>
+              <a:t>6/11/2023</a:t>
             </a:fld>
             <a:endParaRPr lang="es-PE"/>
           </a:p>
@@ -1749,7 +1752,7 @@
           <a:p>
             <a:fld id="{A8BB1F61-4653-4993-8BF1-FA75140DA699}" type="datetimeFigureOut">
               <a:rPr lang="es-PE" smtClean="0"/>
-              <a:t>1/11/2023</a:t>
+              <a:t>6/11/2023</a:t>
             </a:fld>
             <a:endParaRPr lang="es-PE"/>
           </a:p>
@@ -1844,7 +1847,7 @@
           <a:p>
             <a:fld id="{A8BB1F61-4653-4993-8BF1-FA75140DA699}" type="datetimeFigureOut">
               <a:rPr lang="es-PE" smtClean="0"/>
-              <a:t>1/11/2023</a:t>
+              <a:t>6/11/2023</a:t>
             </a:fld>
             <a:endParaRPr lang="es-PE"/>
           </a:p>
@@ -2121,7 +2124,7 @@
           <a:p>
             <a:fld id="{A8BB1F61-4653-4993-8BF1-FA75140DA699}" type="datetimeFigureOut">
               <a:rPr lang="es-PE" smtClean="0"/>
-              <a:t>1/11/2023</a:t>
+              <a:t>6/11/2023</a:t>
             </a:fld>
             <a:endParaRPr lang="es-PE"/>
           </a:p>
@@ -2374,7 +2377,7 @@
           <a:p>
             <a:fld id="{A8BB1F61-4653-4993-8BF1-FA75140DA699}" type="datetimeFigureOut">
               <a:rPr lang="es-PE" smtClean="0"/>
-              <a:t>1/11/2023</a:t>
+              <a:t>6/11/2023</a:t>
             </a:fld>
             <a:endParaRPr lang="es-PE"/>
           </a:p>
@@ -2587,7 +2590,7 @@
           <a:p>
             <a:fld id="{A8BB1F61-4653-4993-8BF1-FA75140DA699}" type="datetimeFigureOut">
               <a:rPr lang="es-PE" smtClean="0"/>
-              <a:t>1/11/2023</a:t>
+              <a:t>6/11/2023</a:t>
             </a:fld>
             <a:endParaRPr lang="es-PE"/>
           </a:p>
@@ -6169,6 +6172,1789 @@
 </p:sld>
 </file>
 
+<file path=ppt/slides/slide25.xml><?xml version="1.0" encoding="utf-8"?>
+<p:sld xmlns:a="http://schemas.openxmlformats.org/drawingml/2006/main" xmlns:r="http://schemas.openxmlformats.org/officeDocument/2006/relationships" xmlns:p="http://schemas.openxmlformats.org/presentationml/2006/main">
+  <p:cSld>
+    <p:spTree>
+      <p:nvGrpSpPr>
+        <p:cNvPr id="1" name=""/>
+        <p:cNvGrpSpPr/>
+        <p:nvPr/>
+      </p:nvGrpSpPr>
+      <p:grpSpPr>
+        <a:xfrm>
+          <a:off x="0" y="0"/>
+          <a:ext cx="0" cy="0"/>
+          <a:chOff x="0" y="0"/>
+          <a:chExt cx="0" cy="0"/>
+        </a:xfrm>
+      </p:grpSpPr>
+      <p:sp>
+        <p:nvSpPr>
+          <p:cNvPr id="6" name="CuadroTexto 5"/>
+          <p:cNvSpPr txBox="1"/>
+          <p:nvPr/>
+        </p:nvSpPr>
+        <p:spPr>
+          <a:xfrm>
+            <a:off x="497355" y="136920"/>
+            <a:ext cx="11423712" cy="6247864"/>
+          </a:xfrm>
+          <a:prstGeom prst="rect">
+            <a:avLst/>
+          </a:prstGeom>
+          <a:noFill/>
+        </p:spPr>
+        <p:txBody>
+          <a:bodyPr wrap="square" rtlCol="0">
+            <a:spAutoFit/>
+          </a:bodyPr>
+          <a:lstStyle/>
+          <a:p>
+            <a:r>
+              <a:rPr lang="es-PE" sz="2000" dirty="0" smtClean="0">
+                <a:solidFill>
+                  <a:srgbClr val="FF0000"/>
+                </a:solidFill>
+              </a:rPr>
+              <a:t>1. El lugar de la educación en el pensamiento de Kant</a:t>
+            </a:r>
+          </a:p>
+          <a:p>
+            <a:r>
+              <a:rPr lang="es-PE" sz="2000" dirty="0" smtClean="0"/>
+              <a:t>	1.1 </a:t>
+            </a:r>
+            <a:r>
+              <a:rPr lang="es-PE" sz="2000" dirty="0" smtClean="0">
+                <a:solidFill>
+                  <a:schemeClr val="accent6"/>
+                </a:solidFill>
+              </a:rPr>
+              <a:t>Proyecto crítico de Kant </a:t>
+            </a:r>
+          </a:p>
+          <a:p>
+            <a:r>
+              <a:rPr lang="es-PE" sz="2000" dirty="0" smtClean="0"/>
+              <a:t>	1.2 </a:t>
+            </a:r>
+            <a:r>
+              <a:rPr lang="es-PE" sz="2000" dirty="0" smtClean="0">
+                <a:solidFill>
+                  <a:schemeClr val="accent6"/>
+                </a:solidFill>
+              </a:rPr>
+              <a:t>Pensamiento político de Kant</a:t>
+            </a:r>
+          </a:p>
+          <a:p>
+            <a:r>
+              <a:rPr lang="es-PE" sz="2000" dirty="0"/>
+              <a:t>	</a:t>
+            </a:r>
+            <a:r>
+              <a:rPr lang="es-PE" sz="2000" dirty="0" smtClean="0"/>
+              <a:t>1.3 </a:t>
+            </a:r>
+            <a:r>
+              <a:rPr lang="es-PE" sz="2000" dirty="0" smtClean="0">
+                <a:solidFill>
+                  <a:schemeClr val="accent6"/>
+                </a:solidFill>
+              </a:rPr>
+              <a:t>Moral, derecho y </a:t>
+            </a:r>
+            <a:r>
+              <a:rPr lang="es-PE" sz="2000" dirty="0" err="1" smtClean="0">
+                <a:solidFill>
+                  <a:schemeClr val="accent6"/>
+                </a:solidFill>
+              </a:rPr>
+              <a:t>contractualismo</a:t>
+            </a:r>
+            <a:r>
+              <a:rPr lang="es-PE" sz="2000" dirty="0" smtClean="0">
+                <a:solidFill>
+                  <a:schemeClr val="accent6"/>
+                </a:solidFill>
+              </a:rPr>
+              <a:t>. </a:t>
+            </a:r>
+            <a:r>
+              <a:rPr lang="es-PE" sz="2000" dirty="0" err="1" smtClean="0">
+                <a:solidFill>
+                  <a:schemeClr val="accent6"/>
+                </a:solidFill>
+              </a:rPr>
+              <a:t>Proto</a:t>
+            </a:r>
+            <a:r>
+              <a:rPr lang="es-PE" sz="2000" dirty="0" smtClean="0">
+                <a:solidFill>
+                  <a:schemeClr val="accent6"/>
+                </a:solidFill>
+              </a:rPr>
+              <a:t>-liberalismo republicano</a:t>
+            </a:r>
+            <a:r>
+              <a:rPr lang="es-PE" sz="2000" dirty="0" smtClean="0"/>
+              <a:t>. </a:t>
+            </a:r>
+          </a:p>
+          <a:p>
+            <a:endParaRPr lang="es-PE" sz="2000" dirty="0" smtClean="0"/>
+          </a:p>
+          <a:p>
+            <a:r>
+              <a:rPr lang="es-PE" sz="2000" dirty="0" smtClean="0">
+                <a:solidFill>
+                  <a:srgbClr val="FF0000"/>
+                </a:solidFill>
+              </a:rPr>
+              <a:t>2. Crisis en la educación</a:t>
+            </a:r>
+          </a:p>
+          <a:p>
+            <a:r>
+              <a:rPr lang="es-PE" sz="2000" dirty="0"/>
+              <a:t>	</a:t>
+            </a:r>
+            <a:r>
+              <a:rPr lang="es-PE" sz="2000" dirty="0" smtClean="0"/>
+              <a:t>2.1 </a:t>
+            </a:r>
+            <a:r>
+              <a:rPr lang="es-PE" sz="2000" dirty="0" smtClean="0">
+                <a:solidFill>
+                  <a:schemeClr val="accent6"/>
+                </a:solidFill>
+              </a:rPr>
+              <a:t>Dogmatismo y pensamiento crítico</a:t>
+            </a:r>
+          </a:p>
+          <a:p>
+            <a:r>
+              <a:rPr lang="es-PE" sz="2000" dirty="0"/>
+              <a:t>	</a:t>
+            </a:r>
+            <a:r>
+              <a:rPr lang="es-PE" sz="2000" dirty="0" smtClean="0"/>
+              <a:t>2.2 </a:t>
+            </a:r>
+            <a:r>
+              <a:rPr lang="es-PE" sz="2000" dirty="0" smtClean="0">
+                <a:solidFill>
+                  <a:schemeClr val="accent6"/>
+                </a:solidFill>
+              </a:rPr>
+              <a:t>Tecnocracia y globalización </a:t>
+            </a:r>
+            <a:endParaRPr lang="es-PE" sz="2000" dirty="0"/>
+          </a:p>
+          <a:p>
+            <a:r>
+              <a:rPr lang="es-PE" sz="2000" dirty="0"/>
+              <a:t>	</a:t>
+            </a:r>
+            <a:r>
+              <a:rPr lang="es-PE" sz="2000" dirty="0" smtClean="0"/>
+              <a:t>2.3 (H. </a:t>
+            </a:r>
+            <a:r>
+              <a:rPr lang="es-PE" sz="2000" dirty="0" err="1" smtClean="0"/>
+              <a:t>Arendt</a:t>
+            </a:r>
+            <a:r>
+              <a:rPr lang="es-PE" sz="2000" dirty="0" smtClean="0"/>
+              <a:t>)</a:t>
+            </a:r>
+          </a:p>
+          <a:p>
+            <a:r>
+              <a:rPr lang="es-PE" sz="2000" dirty="0"/>
+              <a:t>	</a:t>
+            </a:r>
+            <a:r>
+              <a:rPr lang="es-PE" sz="2000" dirty="0" smtClean="0"/>
+              <a:t>2.4 </a:t>
+            </a:r>
+            <a:r>
+              <a:rPr lang="es-PE" sz="2000" dirty="0" smtClean="0">
+                <a:solidFill>
+                  <a:schemeClr val="accent6"/>
+                </a:solidFill>
+              </a:rPr>
+              <a:t>Humanidades</a:t>
+            </a:r>
+            <a:r>
+              <a:rPr lang="es-PE" sz="2000" dirty="0" smtClean="0"/>
+              <a:t> </a:t>
+            </a:r>
+          </a:p>
+          <a:p>
+            <a:r>
+              <a:rPr lang="es-PE" sz="2000" dirty="0"/>
+              <a:t>	</a:t>
+            </a:r>
+            <a:r>
+              <a:rPr lang="es-PE" sz="2000" dirty="0" smtClean="0"/>
+              <a:t>2.5 </a:t>
+            </a:r>
+            <a:r>
+              <a:rPr lang="es-PE" sz="2000" dirty="0" smtClean="0">
+                <a:solidFill>
+                  <a:schemeClr val="accent6"/>
+                </a:solidFill>
+              </a:rPr>
+              <a:t>Consecuencias políticas de una educación deficiente. Autoritarismo, conformismo, 	instrumentalización y alienación</a:t>
+            </a:r>
+            <a:r>
+              <a:rPr lang="es-PE" sz="2000" dirty="0" smtClean="0"/>
+              <a:t>.</a:t>
+            </a:r>
+          </a:p>
+          <a:p>
+            <a:endParaRPr lang="es-PE" sz="2000" dirty="0"/>
+          </a:p>
+          <a:p>
+            <a:r>
+              <a:rPr lang="es-PE" sz="2000" dirty="0" smtClean="0">
+                <a:solidFill>
+                  <a:srgbClr val="FF0000"/>
+                </a:solidFill>
+              </a:rPr>
+              <a:t>3. La educación desde el pensamiento político y crítico de Kant</a:t>
+            </a:r>
+          </a:p>
+          <a:p>
+            <a:r>
+              <a:rPr lang="es-PE" sz="2000" dirty="0">
+                <a:solidFill>
+                  <a:srgbClr val="FF0000"/>
+                </a:solidFill>
+              </a:rPr>
+              <a:t>	</a:t>
+            </a:r>
+            <a:r>
+              <a:rPr lang="es-PE" sz="2000" dirty="0" smtClean="0"/>
+              <a:t>3.1 </a:t>
+            </a:r>
+            <a:r>
+              <a:rPr lang="es-PE" sz="2000" dirty="0" smtClean="0">
+                <a:solidFill>
+                  <a:schemeClr val="accent6"/>
+                </a:solidFill>
+              </a:rPr>
+              <a:t>Kant como educador</a:t>
+            </a:r>
+          </a:p>
+          <a:p>
+            <a:r>
+              <a:rPr lang="es-PE" sz="2000" dirty="0"/>
+              <a:t>	</a:t>
+            </a:r>
+            <a:r>
+              <a:rPr lang="es-PE" sz="2000" dirty="0" smtClean="0"/>
+              <a:t>3.2 </a:t>
+            </a:r>
+            <a:r>
+              <a:rPr lang="es-PE" sz="2000" dirty="0" smtClean="0">
+                <a:solidFill>
+                  <a:schemeClr val="accent6"/>
+                </a:solidFill>
+              </a:rPr>
+              <a:t>Lecciones de pedagogía</a:t>
+            </a:r>
+          </a:p>
+          <a:p>
+            <a:r>
+              <a:rPr lang="es-PE" sz="2000" dirty="0"/>
+              <a:t>	</a:t>
+            </a:r>
+            <a:r>
+              <a:rPr lang="es-PE" sz="2000" dirty="0" smtClean="0"/>
+              <a:t>3.3 </a:t>
+            </a:r>
+            <a:r>
+              <a:rPr lang="es-PE" sz="2000" dirty="0" smtClean="0">
+                <a:solidFill>
+                  <a:schemeClr val="accent6"/>
+                </a:solidFill>
+              </a:rPr>
+              <a:t>Antropología en sentido pragmático</a:t>
+            </a:r>
+          </a:p>
+          <a:p>
+            <a:r>
+              <a:rPr lang="es-PE" sz="2000" dirty="0"/>
+              <a:t>	</a:t>
+            </a:r>
+            <a:r>
+              <a:rPr lang="es-PE" sz="2000" dirty="0" smtClean="0"/>
+              <a:t>3.4 </a:t>
+            </a:r>
+            <a:r>
+              <a:rPr lang="es-PE" sz="2000" dirty="0" err="1" smtClean="0">
+                <a:solidFill>
+                  <a:schemeClr val="accent6"/>
+                </a:solidFill>
+              </a:rPr>
+              <a:t>Antipaternalismo</a:t>
+            </a:r>
+            <a:r>
+              <a:rPr lang="es-PE" sz="2000" dirty="0">
+                <a:solidFill>
+                  <a:schemeClr val="accent6"/>
+                </a:solidFill>
+              </a:rPr>
+              <a:t> </a:t>
+            </a:r>
+            <a:r>
+              <a:rPr lang="es-PE" sz="2000" dirty="0" smtClean="0">
+                <a:solidFill>
+                  <a:schemeClr val="accent6"/>
+                </a:solidFill>
+              </a:rPr>
+              <a:t>y autonomía </a:t>
+            </a:r>
+          </a:p>
+          <a:p>
+            <a:r>
+              <a:rPr lang="es-PE" sz="2000" dirty="0"/>
+              <a:t>	</a:t>
+            </a:r>
+            <a:r>
+              <a:rPr lang="es-PE" sz="2000" dirty="0" smtClean="0"/>
+              <a:t>3.5 </a:t>
+            </a:r>
+            <a:r>
+              <a:rPr lang="es-PE" sz="2000" dirty="0" smtClean="0">
+                <a:solidFill>
+                  <a:schemeClr val="accent6"/>
+                </a:solidFill>
+              </a:rPr>
+              <a:t>Razón pública </a:t>
+            </a:r>
+          </a:p>
+          <a:p>
+            <a:r>
+              <a:rPr lang="es-PE" sz="2000" dirty="0"/>
+              <a:t>	</a:t>
+            </a:r>
+            <a:r>
+              <a:rPr lang="es-PE" sz="2000" dirty="0" smtClean="0"/>
+              <a:t>3.6 </a:t>
+            </a:r>
+            <a:r>
+              <a:rPr lang="es-PE" sz="2000" dirty="0" smtClean="0">
+                <a:solidFill>
+                  <a:schemeClr val="accent6"/>
+                </a:solidFill>
+              </a:rPr>
+              <a:t>Justificación</a:t>
+            </a:r>
+            <a:endParaRPr lang="es-PE" sz="2000" dirty="0"/>
+          </a:p>
+        </p:txBody>
+      </p:sp>
+    </p:spTree>
+    <p:extLst>
+      <p:ext uri="{BB962C8B-B14F-4D97-AF65-F5344CB8AC3E}">
+        <p14:creationId xmlns:p14="http://schemas.microsoft.com/office/powerpoint/2010/main" val="651229983"/>
+      </p:ext>
+    </p:extLst>
+  </p:cSld>
+  <p:clrMapOvr>
+    <a:masterClrMapping/>
+  </p:clrMapOvr>
+</p:sld>
+</file>
+
+<file path=ppt/slides/slide26.xml><?xml version="1.0" encoding="utf-8"?>
+<p:sld xmlns:a="http://schemas.openxmlformats.org/drawingml/2006/main" xmlns:r="http://schemas.openxmlformats.org/officeDocument/2006/relationships" xmlns:p="http://schemas.openxmlformats.org/presentationml/2006/main">
+  <p:cSld>
+    <p:spTree>
+      <p:nvGrpSpPr>
+        <p:cNvPr id="1" name=""/>
+        <p:cNvGrpSpPr/>
+        <p:nvPr/>
+      </p:nvGrpSpPr>
+      <p:grpSpPr>
+        <a:xfrm>
+          <a:off x="0" y="0"/>
+          <a:ext cx="0" cy="0"/>
+          <a:chOff x="0" y="0"/>
+          <a:chExt cx="0" cy="0"/>
+        </a:xfrm>
+      </p:grpSpPr>
+      <p:sp>
+        <p:nvSpPr>
+          <p:cNvPr id="3" name="Marcador de contenido 2"/>
+          <p:cNvSpPr>
+            <a:spLocks noGrp="1"/>
+          </p:cNvSpPr>
+          <p:nvPr>
+            <p:ph idx="1"/>
+          </p:nvPr>
+        </p:nvSpPr>
+        <p:spPr>
+          <a:xfrm>
+            <a:off x="0" y="406400"/>
+            <a:ext cx="12192000" cy="5997574"/>
+          </a:xfrm>
+        </p:spPr>
+        <p:txBody>
+          <a:bodyPr numCol="3" anchor="ctr">
+            <a:noAutofit/>
+          </a:bodyPr>
+          <a:lstStyle/>
+          <a:p>
+            <a:pPr marL="0" indent="0">
+              <a:lnSpc>
+                <a:spcPct val="100000"/>
+              </a:lnSpc>
+              <a:buNone/>
+            </a:pPr>
+            <a:r>
+              <a:rPr lang="es-PE" sz="1100" dirty="0"/>
+              <a:t>(1963) </a:t>
+            </a:r>
+            <a:r>
+              <a:rPr lang="es-PE" sz="1100" dirty="0" err="1"/>
+              <a:t>Frankena</a:t>
+            </a:r>
+            <a:r>
+              <a:rPr lang="es-PE" sz="1100" dirty="0"/>
+              <a:t> W - Tres filosofías de la educación en la historia</a:t>
+            </a:r>
+          </a:p>
+          <a:p>
+            <a:pPr marL="0" indent="0">
+              <a:lnSpc>
+                <a:spcPct val="100000"/>
+              </a:lnSpc>
+              <a:buNone/>
+            </a:pPr>
+            <a:r>
+              <a:rPr lang="es-PE" sz="1100" dirty="0"/>
+              <a:t>(1986) Adorno T - Educación para la mayoría de edad - </a:t>
+            </a:r>
+            <a:r>
+              <a:rPr lang="es-PE" sz="1100" dirty="0" err="1"/>
+              <a:t>Conversacion</a:t>
+            </a:r>
+            <a:r>
+              <a:rPr lang="es-PE" sz="1100" dirty="0"/>
+              <a:t> entre Adorno y Becker 1969 </a:t>
+            </a:r>
+          </a:p>
+          <a:p>
+            <a:pPr marL="0" indent="0">
+              <a:lnSpc>
+                <a:spcPct val="100000"/>
+              </a:lnSpc>
+              <a:buNone/>
+            </a:pPr>
+            <a:r>
+              <a:rPr lang="en-US" sz="1100" dirty="0"/>
+              <a:t>(1994) </a:t>
+            </a:r>
+            <a:r>
+              <a:rPr lang="en-US" sz="1100" dirty="0" err="1"/>
+              <a:t>SanRoman</a:t>
+            </a:r>
+            <a:r>
+              <a:rPr lang="en-US" sz="1100" dirty="0"/>
+              <a:t> S - </a:t>
+            </a:r>
+            <a:r>
+              <a:rPr lang="en-US" sz="1100" dirty="0" err="1"/>
+              <a:t>rousseau</a:t>
+            </a:r>
+            <a:r>
+              <a:rPr lang="en-US" sz="1100" dirty="0"/>
+              <a:t> y </a:t>
+            </a:r>
+            <a:r>
+              <a:rPr lang="en-US" sz="1100" dirty="0" err="1"/>
+              <a:t>kant</a:t>
+            </a:r>
+            <a:r>
+              <a:rPr lang="en-US" sz="1100" dirty="0"/>
+              <a:t> </a:t>
+            </a:r>
+            <a:r>
+              <a:rPr lang="en-US" sz="1100" dirty="0" err="1"/>
+              <a:t>politica</a:t>
+            </a:r>
+            <a:r>
+              <a:rPr lang="en-US" sz="1100" dirty="0"/>
+              <a:t> </a:t>
+            </a:r>
+            <a:r>
+              <a:rPr lang="en-US" sz="1100" dirty="0" err="1"/>
+              <a:t>educativa</a:t>
+            </a:r>
+            <a:endParaRPr lang="es-PE" sz="1100" dirty="0"/>
+          </a:p>
+          <a:p>
+            <a:pPr marL="0" indent="0">
+              <a:lnSpc>
+                <a:spcPct val="100000"/>
+              </a:lnSpc>
+              <a:buNone/>
+            </a:pPr>
+            <a:r>
+              <a:rPr lang="es-PE" sz="1100" dirty="0"/>
+              <a:t>(1999) Flores C - Del contrato social al </a:t>
+            </a:r>
+            <a:r>
+              <a:rPr lang="es-PE" sz="1100" dirty="0" err="1"/>
+              <a:t>pedagogico</a:t>
+            </a:r>
+            <a:r>
+              <a:rPr lang="es-PE" sz="1100" dirty="0"/>
+              <a:t> </a:t>
+            </a:r>
+            <a:r>
+              <a:rPr lang="es-PE" sz="1100" dirty="0" err="1"/>
+              <a:t>Rosseau</a:t>
+            </a:r>
+            <a:r>
+              <a:rPr lang="es-PE" sz="1100" dirty="0"/>
+              <a:t> y Kant</a:t>
+            </a:r>
+          </a:p>
+          <a:p>
+            <a:pPr marL="0" indent="0">
+              <a:lnSpc>
+                <a:spcPct val="100000"/>
+              </a:lnSpc>
+              <a:buNone/>
+            </a:pPr>
+            <a:r>
+              <a:rPr lang="es-PE" sz="1100" dirty="0"/>
+              <a:t>(1999) Heinz M - </a:t>
+            </a:r>
+            <a:r>
+              <a:rPr lang="es-PE" sz="1100" dirty="0" err="1"/>
+              <a:t>Teorias</a:t>
+            </a:r>
+            <a:r>
+              <a:rPr lang="es-PE" sz="1100" dirty="0"/>
+              <a:t> de la cultura de la ilustración Herder y Kant</a:t>
+            </a:r>
+          </a:p>
+          <a:p>
+            <a:pPr marL="0" indent="0">
+              <a:lnSpc>
+                <a:spcPct val="100000"/>
+              </a:lnSpc>
+              <a:buNone/>
+            </a:pPr>
+            <a:r>
+              <a:rPr lang="es-PE" sz="1100" dirty="0"/>
+              <a:t>(1999) Salmerón A - consideraciones en torno a la filo </a:t>
+            </a:r>
+            <a:r>
+              <a:rPr lang="es-PE" sz="1100" dirty="0" err="1"/>
+              <a:t>educat</a:t>
+            </a:r>
+            <a:r>
+              <a:rPr lang="es-PE" sz="1100" dirty="0"/>
+              <a:t> de </a:t>
+            </a:r>
+            <a:r>
+              <a:rPr lang="es-PE" sz="1100" dirty="0" err="1"/>
+              <a:t>kant</a:t>
+            </a:r>
+            <a:endParaRPr lang="es-PE" sz="1100" dirty="0"/>
+          </a:p>
+          <a:p>
+            <a:pPr marL="0" indent="0">
+              <a:lnSpc>
+                <a:spcPct val="100000"/>
+              </a:lnSpc>
+              <a:buNone/>
+            </a:pPr>
+            <a:r>
+              <a:rPr lang="es-PE" sz="1100" dirty="0"/>
+              <a:t>(2000) Granja M - Sobre las lecciones de </a:t>
+            </a:r>
+            <a:r>
+              <a:rPr lang="es-PE" sz="1100" dirty="0" err="1"/>
+              <a:t>pedagogia</a:t>
+            </a:r>
+            <a:r>
+              <a:rPr lang="es-PE" sz="1100" dirty="0"/>
+              <a:t> de Kant</a:t>
+            </a:r>
+          </a:p>
+          <a:p>
+            <a:pPr marL="0" indent="0">
+              <a:lnSpc>
+                <a:spcPct val="100000"/>
+              </a:lnSpc>
+              <a:buNone/>
+            </a:pPr>
+            <a:r>
+              <a:rPr lang="es-PE" sz="1100" dirty="0"/>
+              <a:t>(2000) </a:t>
+            </a:r>
+            <a:r>
+              <a:rPr lang="es-PE" sz="1100" dirty="0" err="1"/>
+              <a:t>Rios</a:t>
+            </a:r>
+            <a:r>
+              <a:rPr lang="es-PE" sz="1100" dirty="0"/>
+              <a:t> R - tratado de </a:t>
+            </a:r>
+            <a:r>
+              <a:rPr lang="es-PE" sz="1100" dirty="0" err="1"/>
+              <a:t>pedagogia</a:t>
+            </a:r>
+            <a:r>
+              <a:rPr lang="es-PE" sz="1100" dirty="0"/>
+              <a:t> Reseña</a:t>
+            </a:r>
+          </a:p>
+          <a:p>
+            <a:pPr marL="0" indent="0">
+              <a:lnSpc>
+                <a:spcPct val="100000"/>
+              </a:lnSpc>
+              <a:buNone/>
+            </a:pPr>
+            <a:r>
+              <a:rPr lang="es-PE" sz="1100" dirty="0"/>
+              <a:t>(2003) </a:t>
+            </a:r>
+            <a:r>
+              <a:rPr lang="es-PE" sz="1100" dirty="0" err="1"/>
+              <a:t>Lenis</a:t>
+            </a:r>
+            <a:r>
+              <a:rPr lang="es-PE" sz="1100" dirty="0"/>
+              <a:t> J - El mal: </a:t>
+            </a:r>
+            <a:r>
+              <a:rPr lang="es-PE" sz="1100" dirty="0" err="1"/>
+              <a:t>desafio</a:t>
+            </a:r>
+            <a:r>
+              <a:rPr lang="es-PE" sz="1100" dirty="0"/>
+              <a:t> a la perfectibilidad moral y al ordenamiento jurídico</a:t>
+            </a:r>
+          </a:p>
+          <a:p>
+            <a:pPr marL="0" indent="0">
+              <a:lnSpc>
+                <a:spcPct val="100000"/>
+              </a:lnSpc>
+              <a:buNone/>
+            </a:pPr>
+            <a:r>
+              <a:rPr lang="es-PE" sz="1100" dirty="0"/>
+              <a:t>(2003) Vargas G - Kant y la pedagogía</a:t>
+            </a:r>
+          </a:p>
+          <a:p>
+            <a:pPr marL="0" indent="0">
+              <a:lnSpc>
+                <a:spcPct val="100000"/>
+              </a:lnSpc>
+              <a:buNone/>
+            </a:pPr>
+            <a:r>
+              <a:rPr lang="es-PE" sz="1100" dirty="0"/>
+              <a:t>(2004) </a:t>
+            </a:r>
+            <a:r>
+              <a:rPr lang="es-PE" sz="1100" dirty="0" err="1"/>
+              <a:t>Rabade</a:t>
+            </a:r>
+            <a:r>
+              <a:rPr lang="es-PE" sz="1100" dirty="0"/>
+              <a:t> S - Apuntando al núcleo de la educación una reflexión desde Kant</a:t>
+            </a:r>
+          </a:p>
+          <a:p>
+            <a:pPr marL="0" indent="0">
+              <a:lnSpc>
+                <a:spcPct val="100000"/>
+              </a:lnSpc>
+              <a:buNone/>
+            </a:pPr>
+            <a:r>
+              <a:rPr lang="es-PE" sz="1100" dirty="0"/>
+              <a:t>(2005) Cordero G - Kant tres comentarios a su pensamiento educativo</a:t>
+            </a:r>
+          </a:p>
+          <a:p>
+            <a:pPr marL="0" indent="0">
+              <a:lnSpc>
+                <a:spcPct val="100000"/>
+              </a:lnSpc>
+              <a:buNone/>
+            </a:pPr>
+            <a:r>
+              <a:rPr lang="es-PE" sz="1100" dirty="0"/>
+              <a:t>(2005) </a:t>
+            </a:r>
+            <a:r>
+              <a:rPr lang="es-PE" sz="1100" dirty="0" err="1"/>
+              <a:t>Garcia</a:t>
+            </a:r>
+            <a:r>
+              <a:rPr lang="es-PE" sz="1100" dirty="0"/>
+              <a:t> J - Kant y su lectura de </a:t>
+            </a:r>
+            <a:r>
+              <a:rPr lang="es-PE" sz="1100" dirty="0" err="1"/>
+              <a:t>educacion</a:t>
+            </a:r>
+            <a:r>
+              <a:rPr lang="es-PE" sz="1100" dirty="0"/>
+              <a:t> como tema </a:t>
+            </a:r>
+            <a:r>
+              <a:rPr lang="es-PE" sz="1100" dirty="0" err="1"/>
+              <a:t>filosofico</a:t>
+            </a:r>
+            <a:endParaRPr lang="es-PE" sz="1100" dirty="0"/>
+          </a:p>
+          <a:p>
+            <a:pPr marL="0" indent="0">
+              <a:lnSpc>
+                <a:spcPct val="100000"/>
+              </a:lnSpc>
+              <a:buNone/>
+            </a:pPr>
+            <a:r>
+              <a:rPr lang="es-PE" sz="1100" dirty="0"/>
+              <a:t>(2006) Correa L - Reflexiones colombianas sobre </a:t>
+            </a:r>
+            <a:r>
+              <a:rPr lang="es-PE" sz="1100" dirty="0" err="1"/>
+              <a:t>pedagogia</a:t>
+            </a:r>
+            <a:r>
+              <a:rPr lang="es-PE" sz="1100" dirty="0"/>
+              <a:t> y </a:t>
+            </a:r>
+            <a:r>
+              <a:rPr lang="es-PE" sz="1100" dirty="0" err="1"/>
+              <a:t>kant</a:t>
+            </a:r>
+            <a:endParaRPr lang="es-PE" sz="1100" dirty="0"/>
+          </a:p>
+          <a:p>
+            <a:pPr marL="0" indent="0">
+              <a:lnSpc>
+                <a:spcPct val="100000"/>
+              </a:lnSpc>
+              <a:buNone/>
+            </a:pPr>
+            <a:r>
+              <a:rPr lang="es-PE" sz="1100" dirty="0"/>
+              <a:t>(2006) Figueroa M - Kant y el sentido ético de la educación</a:t>
+            </a:r>
+          </a:p>
+          <a:p>
+            <a:pPr marL="0" indent="0">
+              <a:lnSpc>
+                <a:spcPct val="100000"/>
+              </a:lnSpc>
+              <a:buNone/>
+            </a:pPr>
+            <a:r>
+              <a:rPr lang="es-PE" sz="1100" dirty="0"/>
+              <a:t>(2006) Gordillo M - fines de una educación para la ciudadanía </a:t>
+            </a:r>
+          </a:p>
+          <a:p>
+            <a:pPr marL="0" indent="0">
+              <a:lnSpc>
+                <a:spcPct val="100000"/>
+              </a:lnSpc>
+              <a:buNone/>
+            </a:pPr>
+            <a:r>
+              <a:rPr lang="es-PE" sz="1100" dirty="0"/>
+              <a:t>(2007) </a:t>
+            </a:r>
+            <a:r>
+              <a:rPr lang="es-PE" sz="1100" dirty="0" err="1"/>
+              <a:t>Murueta</a:t>
+            </a:r>
+            <a:r>
+              <a:rPr lang="es-PE" sz="1100" dirty="0"/>
+              <a:t> M - Educación en 4 tiempos</a:t>
+            </a:r>
+          </a:p>
+          <a:p>
+            <a:pPr marL="0" indent="0">
+              <a:lnSpc>
+                <a:spcPct val="100000"/>
+              </a:lnSpc>
+              <a:buNone/>
+            </a:pPr>
+            <a:r>
+              <a:rPr lang="es-PE" sz="1100" dirty="0"/>
+              <a:t>(2007) </a:t>
+            </a:r>
+            <a:r>
+              <a:rPr lang="es-PE" sz="1100" dirty="0" err="1"/>
+              <a:t>Paukner</a:t>
+            </a:r>
+            <a:r>
+              <a:rPr lang="es-PE" sz="1100" dirty="0"/>
+              <a:t> F - La pedagogía en Kant</a:t>
+            </a:r>
+          </a:p>
+          <a:p>
+            <a:pPr marL="0" indent="0">
+              <a:lnSpc>
+                <a:spcPct val="100000"/>
+              </a:lnSpc>
+              <a:buNone/>
+            </a:pPr>
+            <a:r>
+              <a:rPr lang="es-PE" sz="1100" dirty="0"/>
+              <a:t>(2007) </a:t>
+            </a:r>
+            <a:r>
+              <a:rPr lang="es-PE" sz="1100" dirty="0" err="1"/>
+              <a:t>Stiegler</a:t>
+            </a:r>
+            <a:r>
+              <a:rPr lang="es-PE" sz="1100" dirty="0"/>
+              <a:t> B - Adiestramiento adaptación y formación en la pedagogía de Kant</a:t>
+            </a:r>
+          </a:p>
+          <a:p>
+            <a:pPr marL="0" indent="0">
+              <a:lnSpc>
+                <a:spcPct val="100000"/>
+              </a:lnSpc>
+              <a:buNone/>
+            </a:pPr>
+            <a:r>
+              <a:rPr lang="es-PE" sz="1100" dirty="0"/>
+              <a:t>(2008) Acosta M - Crítica de Schiller a Kant</a:t>
+            </a:r>
+          </a:p>
+          <a:p>
+            <a:pPr marL="0" indent="0">
+              <a:lnSpc>
+                <a:spcPct val="100000"/>
+              </a:lnSpc>
+              <a:buNone/>
+            </a:pPr>
+            <a:r>
+              <a:rPr lang="es-PE" sz="1100" dirty="0"/>
+              <a:t>(2008) Monroy C - La educación en Kant y </a:t>
+            </a:r>
+            <a:r>
+              <a:rPr lang="es-PE" sz="1100" dirty="0" err="1"/>
+              <a:t>Nussbaum</a:t>
+            </a:r>
+            <a:endParaRPr lang="es-PE" sz="1100" dirty="0"/>
+          </a:p>
+          <a:p>
+            <a:pPr marL="0" indent="0">
+              <a:lnSpc>
+                <a:spcPct val="100000"/>
+              </a:lnSpc>
+              <a:buNone/>
+            </a:pPr>
+            <a:r>
+              <a:rPr lang="es-PE" sz="1100" dirty="0"/>
+              <a:t>(2009) Lafuente M - El proyecto educativo ilustrado de Kant</a:t>
+            </a:r>
+          </a:p>
+          <a:p>
+            <a:pPr marL="0" indent="0">
+              <a:lnSpc>
+                <a:spcPct val="100000"/>
+              </a:lnSpc>
+              <a:buNone/>
+            </a:pPr>
+            <a:r>
+              <a:rPr lang="es-PE" sz="1100" dirty="0"/>
+              <a:t>(2009) Tovar et al - Investigación en educación pedagogía y formación docente</a:t>
+            </a:r>
+          </a:p>
+          <a:p>
+            <a:pPr marL="0" indent="0">
+              <a:lnSpc>
+                <a:spcPct val="100000"/>
+              </a:lnSpc>
+              <a:buNone/>
+            </a:pPr>
+            <a:r>
+              <a:rPr lang="es-PE" sz="1100" dirty="0"/>
+              <a:t>(2010) Granja D - Kant en el México del s xix</a:t>
+            </a:r>
+          </a:p>
+          <a:p>
+            <a:pPr marL="0" indent="0">
+              <a:lnSpc>
+                <a:spcPct val="100000"/>
+              </a:lnSpc>
+              <a:buNone/>
+            </a:pPr>
+            <a:r>
+              <a:rPr lang="es-PE" sz="1100" dirty="0"/>
+              <a:t>(2010) Klaus A - crisis y aporías de la educación en la sociedad moderna occidental</a:t>
+            </a:r>
+          </a:p>
+          <a:p>
+            <a:pPr marL="0" indent="0">
+              <a:lnSpc>
+                <a:spcPct val="100000"/>
+              </a:lnSpc>
+              <a:buNone/>
+            </a:pPr>
+            <a:r>
+              <a:rPr lang="es-PE" sz="1100" dirty="0"/>
+              <a:t>(2011) </a:t>
+            </a:r>
+            <a:r>
+              <a:rPr lang="es-PE" sz="1100" dirty="0" err="1"/>
+              <a:t>Beade</a:t>
+            </a:r>
+            <a:r>
+              <a:rPr lang="es-PE" sz="1100" dirty="0"/>
+              <a:t> I - En torno a la idea de educación una mirada desde la </a:t>
+            </a:r>
+            <a:r>
+              <a:rPr lang="es-PE" sz="1100" dirty="0" err="1"/>
+              <a:t>refl</a:t>
+            </a:r>
+            <a:r>
+              <a:rPr lang="es-PE" sz="1100" dirty="0"/>
+              <a:t> </a:t>
+            </a:r>
+            <a:r>
+              <a:rPr lang="es-PE" sz="1100" dirty="0" err="1"/>
+              <a:t>pedag</a:t>
+            </a:r>
+            <a:r>
+              <a:rPr lang="es-PE" sz="1100" dirty="0"/>
+              <a:t> kantiana</a:t>
+            </a:r>
+          </a:p>
+          <a:p>
+            <a:pPr marL="0" indent="0">
+              <a:lnSpc>
+                <a:spcPct val="100000"/>
+              </a:lnSpc>
+              <a:buNone/>
+            </a:pPr>
+            <a:r>
+              <a:rPr lang="es-PE" sz="1100" dirty="0"/>
+              <a:t>(2011) Ocampo R - La educación moral según Kant</a:t>
+            </a:r>
+          </a:p>
+          <a:p>
+            <a:pPr marL="0" indent="0">
+              <a:lnSpc>
+                <a:spcPct val="100000"/>
+              </a:lnSpc>
+              <a:buNone/>
+            </a:pPr>
+            <a:r>
+              <a:rPr lang="es-PE" sz="1100" dirty="0"/>
+              <a:t>(2011) Pele A - Kant ilustración y domesticación humana</a:t>
+            </a:r>
+          </a:p>
+          <a:p>
+            <a:pPr marL="0" indent="0">
+              <a:lnSpc>
+                <a:spcPct val="100000"/>
+              </a:lnSpc>
+              <a:buNone/>
+            </a:pPr>
+            <a:r>
+              <a:rPr lang="es-PE" sz="1100" dirty="0"/>
+              <a:t>(2012) </a:t>
+            </a:r>
+            <a:r>
+              <a:rPr lang="es-PE" sz="1100" dirty="0" err="1"/>
+              <a:t>Bustamente</a:t>
+            </a:r>
+            <a:r>
+              <a:rPr lang="es-PE" sz="1100" dirty="0"/>
+              <a:t> G - </a:t>
+            </a:r>
+            <a:r>
+              <a:rPr lang="es-PE" sz="1100" dirty="0" err="1"/>
+              <a:t>pedagogia</a:t>
+            </a:r>
+            <a:r>
+              <a:rPr lang="es-PE" sz="1100" dirty="0"/>
+              <a:t> en </a:t>
+            </a:r>
+            <a:r>
+              <a:rPr lang="es-PE" sz="1100" dirty="0" err="1"/>
+              <a:t>kant</a:t>
+            </a:r>
+            <a:r>
+              <a:rPr lang="es-PE" sz="1100" dirty="0"/>
+              <a:t> una </a:t>
+            </a:r>
+            <a:r>
+              <a:rPr lang="es-PE" sz="1100" dirty="0" err="1"/>
+              <a:t>filosofia</a:t>
+            </a:r>
+            <a:r>
+              <a:rPr lang="es-PE" sz="1100" dirty="0"/>
+              <a:t> de la educación</a:t>
+            </a:r>
+          </a:p>
+          <a:p>
+            <a:pPr marL="0" indent="0">
+              <a:lnSpc>
+                <a:spcPct val="100000"/>
+              </a:lnSpc>
+              <a:buNone/>
+            </a:pPr>
+            <a:r>
+              <a:rPr lang="es-PE" sz="1100" dirty="0"/>
+              <a:t>(2012) </a:t>
+            </a:r>
+            <a:r>
+              <a:rPr lang="es-PE" sz="1100" dirty="0" err="1"/>
+              <a:t>Huarte</a:t>
+            </a:r>
+            <a:r>
+              <a:rPr lang="es-PE" sz="1100" dirty="0"/>
+              <a:t> R - Kant y </a:t>
+            </a:r>
+            <a:r>
+              <a:rPr lang="es-PE" sz="1100" dirty="0" err="1"/>
+              <a:t>Herbart</a:t>
+            </a:r>
+            <a:r>
+              <a:rPr lang="es-PE" sz="1100" dirty="0"/>
+              <a:t> dos visiones pedagógicas </a:t>
+            </a:r>
+          </a:p>
+          <a:p>
+            <a:pPr marL="0" indent="0">
+              <a:lnSpc>
+                <a:spcPct val="100000"/>
+              </a:lnSpc>
+              <a:buNone/>
+            </a:pPr>
+            <a:r>
+              <a:rPr lang="es-PE" sz="1100" dirty="0"/>
+              <a:t>(2012) </a:t>
+            </a:r>
+            <a:r>
+              <a:rPr lang="es-PE" sz="1100" dirty="0" err="1"/>
+              <a:t>Martinez</a:t>
+            </a:r>
+            <a:r>
+              <a:rPr lang="es-PE" sz="1100" dirty="0"/>
+              <a:t> M - Paradoja y meta de la filo de la </a:t>
+            </a:r>
+            <a:r>
+              <a:rPr lang="es-PE" sz="1100" dirty="0" err="1"/>
+              <a:t>educacion</a:t>
+            </a:r>
+            <a:r>
+              <a:rPr lang="es-PE" sz="1100" dirty="0"/>
+              <a:t> en </a:t>
+            </a:r>
+            <a:r>
+              <a:rPr lang="es-PE" sz="1100" dirty="0" err="1"/>
+              <a:t>kant</a:t>
+            </a:r>
+            <a:endParaRPr lang="es-PE" sz="1100" dirty="0"/>
+          </a:p>
+          <a:p>
+            <a:pPr marL="0" indent="0">
+              <a:lnSpc>
+                <a:spcPct val="100000"/>
+              </a:lnSpc>
+              <a:buNone/>
+            </a:pPr>
+            <a:r>
+              <a:rPr lang="es-PE" sz="1100" dirty="0"/>
+              <a:t>(2013) Andaluz A - Kant la </a:t>
+            </a:r>
+            <a:r>
+              <a:rPr lang="es-PE" sz="1100" dirty="0" err="1"/>
+              <a:t>ilustracion</a:t>
+            </a:r>
+            <a:r>
+              <a:rPr lang="es-PE" sz="1100" dirty="0"/>
+              <a:t> como autonomía y comunicación</a:t>
+            </a:r>
+          </a:p>
+          <a:p>
+            <a:pPr marL="0" indent="0">
+              <a:lnSpc>
+                <a:spcPct val="100000"/>
+              </a:lnSpc>
+              <a:buNone/>
+            </a:pPr>
+            <a:r>
+              <a:rPr lang="en-US" sz="1100" dirty="0"/>
+              <a:t>(2013) Hernandez W - Kant and Education Act of teaching</a:t>
+            </a:r>
+            <a:endParaRPr lang="es-PE" sz="1100" dirty="0"/>
+          </a:p>
+          <a:p>
+            <a:pPr marL="0" indent="0">
+              <a:lnSpc>
+                <a:spcPct val="100000"/>
+              </a:lnSpc>
+              <a:buNone/>
+            </a:pPr>
+            <a:r>
+              <a:rPr lang="es-PE" sz="1100" dirty="0"/>
+              <a:t>(2013) Martín J - El aporte de la escuela de </a:t>
+            </a:r>
+            <a:r>
+              <a:rPr lang="es-PE" sz="1100" dirty="0" err="1"/>
+              <a:t>frankfurt</a:t>
+            </a:r>
+            <a:r>
+              <a:rPr lang="es-PE" sz="1100" dirty="0"/>
+              <a:t> a la pedagogía crítica</a:t>
+            </a:r>
+          </a:p>
+          <a:p>
+            <a:pPr marL="0" indent="0">
+              <a:lnSpc>
+                <a:spcPct val="100000"/>
+              </a:lnSpc>
+              <a:buNone/>
+            </a:pPr>
+            <a:r>
+              <a:rPr lang="es-PE" sz="1100" dirty="0"/>
+              <a:t>(2014) </a:t>
+            </a:r>
+            <a:r>
+              <a:rPr lang="es-PE" sz="1100" dirty="0" err="1"/>
+              <a:t>Menezes</a:t>
+            </a:r>
+            <a:r>
+              <a:rPr lang="es-PE" sz="1100" dirty="0"/>
+              <a:t> E - </a:t>
+            </a:r>
+            <a:r>
+              <a:rPr lang="es-PE" sz="1100" dirty="0" err="1"/>
+              <a:t>Algumas</a:t>
+            </a:r>
+            <a:r>
+              <a:rPr lang="es-PE" sz="1100" dirty="0"/>
+              <a:t> notas sobre </a:t>
+            </a:r>
+            <a:r>
+              <a:rPr lang="es-PE" sz="1100" dirty="0" err="1"/>
+              <a:t>educacao</a:t>
+            </a:r>
+            <a:endParaRPr lang="es-PE" sz="1100" dirty="0"/>
+          </a:p>
+          <a:p>
+            <a:pPr marL="0" indent="0">
+              <a:lnSpc>
+                <a:spcPct val="100000"/>
+              </a:lnSpc>
+              <a:buNone/>
+            </a:pPr>
+            <a:r>
+              <a:rPr lang="es-PE" sz="1100" dirty="0"/>
+              <a:t>(2014) Reyes J - pedagogía kantiana </a:t>
+            </a:r>
+            <a:r>
+              <a:rPr lang="es-PE" sz="1100" dirty="0" err="1"/>
+              <a:t>antropologia</a:t>
+            </a:r>
+            <a:r>
+              <a:rPr lang="es-PE" sz="1100" dirty="0"/>
+              <a:t> conocimiento y moralidad</a:t>
+            </a:r>
+          </a:p>
+          <a:p>
+            <a:pPr marL="0" indent="0">
+              <a:lnSpc>
+                <a:spcPct val="100000"/>
+              </a:lnSpc>
+              <a:buNone/>
+            </a:pPr>
+            <a:r>
+              <a:rPr lang="es-PE" sz="1100" dirty="0"/>
+              <a:t>(2015) Klaus A et al - </a:t>
+            </a:r>
+            <a:r>
+              <a:rPr lang="es-PE" sz="1100" dirty="0" err="1"/>
+              <a:t>comenio</a:t>
+            </a:r>
+            <a:r>
+              <a:rPr lang="es-PE" sz="1100" dirty="0"/>
+              <a:t> </a:t>
+            </a:r>
+            <a:r>
+              <a:rPr lang="es-PE" sz="1100" dirty="0" err="1"/>
+              <a:t>rousseau</a:t>
+            </a:r>
+            <a:r>
+              <a:rPr lang="es-PE" sz="1100" dirty="0"/>
+              <a:t> y </a:t>
+            </a:r>
+            <a:r>
+              <a:rPr lang="es-PE" sz="1100" dirty="0" err="1"/>
+              <a:t>kant</a:t>
+            </a:r>
+            <a:endParaRPr lang="es-PE" sz="1100" dirty="0"/>
+          </a:p>
+          <a:p>
+            <a:pPr marL="0" indent="0">
+              <a:lnSpc>
+                <a:spcPct val="100000"/>
+              </a:lnSpc>
+              <a:buNone/>
+            </a:pPr>
+            <a:r>
+              <a:rPr lang="es-PE" sz="1100" dirty="0"/>
+              <a:t>(2016) </a:t>
+            </a:r>
+            <a:r>
+              <a:rPr lang="es-PE" sz="1100" dirty="0" err="1"/>
+              <a:t>Beade</a:t>
+            </a:r>
+            <a:r>
+              <a:rPr lang="es-PE" sz="1100" dirty="0"/>
+              <a:t> I - Educación y progreso en la reflexión pedagógica kantiana</a:t>
+            </a:r>
+          </a:p>
+          <a:p>
+            <a:pPr marL="0" indent="0">
+              <a:lnSpc>
+                <a:spcPct val="100000"/>
+              </a:lnSpc>
+              <a:buNone/>
+            </a:pPr>
+            <a:r>
+              <a:rPr lang="en-US" sz="1100" dirty="0"/>
+              <a:t>(2016) </a:t>
+            </a:r>
+            <a:r>
+              <a:rPr lang="en-US" sz="1100" dirty="0" err="1"/>
+              <a:t>Faggion</a:t>
+            </a:r>
+            <a:r>
+              <a:rPr lang="en-US" sz="1100" dirty="0"/>
+              <a:t> A - Kant and social policies </a:t>
+            </a:r>
+            <a:r>
+              <a:rPr lang="en-US" sz="1100" dirty="0" err="1"/>
+              <a:t>reseña</a:t>
+            </a:r>
+            <a:endParaRPr lang="es-PE" sz="1100" dirty="0"/>
+          </a:p>
+          <a:p>
+            <a:pPr marL="0" indent="0">
+              <a:lnSpc>
+                <a:spcPct val="100000"/>
+              </a:lnSpc>
+              <a:buNone/>
+            </a:pPr>
+            <a:r>
+              <a:rPr lang="es-PE" sz="1100" dirty="0"/>
+              <a:t>(2016) Hermosa A - valor </a:t>
+            </a:r>
+            <a:r>
+              <a:rPr lang="es-PE" sz="1100" dirty="0" err="1"/>
+              <a:t>politico</a:t>
+            </a:r>
+            <a:r>
+              <a:rPr lang="es-PE" sz="1100" dirty="0"/>
+              <a:t> de la </a:t>
+            </a:r>
+            <a:r>
+              <a:rPr lang="es-PE" sz="1100" dirty="0" err="1"/>
+              <a:t>educacion</a:t>
+            </a:r>
+            <a:r>
+              <a:rPr lang="es-PE" sz="1100" dirty="0"/>
+              <a:t> en </a:t>
+            </a:r>
+            <a:r>
+              <a:rPr lang="es-PE" sz="1100" dirty="0" err="1"/>
+              <a:t>kant</a:t>
+            </a:r>
+            <a:endParaRPr lang="es-PE" sz="1100" dirty="0"/>
+          </a:p>
+          <a:p>
+            <a:pPr marL="0" indent="0">
+              <a:lnSpc>
+                <a:spcPct val="100000"/>
+              </a:lnSpc>
+              <a:buNone/>
+            </a:pPr>
+            <a:r>
+              <a:rPr lang="es-PE" sz="1100" dirty="0"/>
+              <a:t>(2016) Jaramillo et al - La actitud crítica un aspecto fundamental en la educación</a:t>
+            </a:r>
+          </a:p>
+          <a:p>
+            <a:pPr marL="0" indent="0">
+              <a:lnSpc>
+                <a:spcPct val="100000"/>
+              </a:lnSpc>
+              <a:buNone/>
+            </a:pPr>
+            <a:r>
+              <a:rPr lang="es-PE" sz="1100" dirty="0"/>
+              <a:t>(2016) Nova A - formación integral una apuesta por educación superior</a:t>
+            </a:r>
+          </a:p>
+          <a:p>
+            <a:pPr marL="0" indent="0">
+              <a:lnSpc>
+                <a:spcPct val="100000"/>
+              </a:lnSpc>
+              <a:buNone/>
+            </a:pPr>
+            <a:r>
+              <a:rPr lang="en-US" sz="1100" dirty="0"/>
+              <a:t>(2017) </a:t>
+            </a:r>
+            <a:r>
+              <a:rPr lang="en-US" sz="1100" dirty="0" err="1"/>
+              <a:t>Sorina</a:t>
+            </a:r>
+            <a:r>
+              <a:rPr lang="en-US" sz="1100" dirty="0"/>
+              <a:t> G - </a:t>
+            </a:r>
+            <a:r>
+              <a:rPr lang="en-US" sz="1100" dirty="0" err="1"/>
+              <a:t>kant´s</a:t>
+            </a:r>
+            <a:r>
+              <a:rPr lang="en-US" sz="1100" dirty="0"/>
+              <a:t> philosophy of education</a:t>
+            </a:r>
+            <a:endParaRPr lang="es-PE" sz="1100" dirty="0"/>
+          </a:p>
+          <a:p>
+            <a:pPr marL="0" indent="0">
+              <a:lnSpc>
+                <a:spcPct val="100000"/>
+              </a:lnSpc>
+              <a:buNone/>
+            </a:pPr>
+            <a:r>
+              <a:rPr lang="es-PE" sz="1100" dirty="0"/>
+              <a:t>(2018) </a:t>
+            </a:r>
+            <a:r>
+              <a:rPr lang="es-PE" sz="1100" dirty="0" err="1"/>
+              <a:t>Narvaez</a:t>
+            </a:r>
+            <a:r>
+              <a:rPr lang="es-PE" sz="1100" dirty="0"/>
+              <a:t> A - Comunicación educativa</a:t>
+            </a:r>
+          </a:p>
+          <a:p>
+            <a:pPr marL="0" indent="0">
+              <a:lnSpc>
+                <a:spcPct val="100000"/>
+              </a:lnSpc>
+              <a:buNone/>
+            </a:pPr>
+            <a:r>
+              <a:rPr lang="es-PE" sz="1100" dirty="0"/>
+              <a:t>(2018) Parra G - Kant y la enseñanza</a:t>
+            </a:r>
+          </a:p>
+          <a:p>
+            <a:pPr marL="0" indent="0">
+              <a:lnSpc>
+                <a:spcPct val="100000"/>
+              </a:lnSpc>
+              <a:buNone/>
+            </a:pPr>
+            <a:r>
+              <a:rPr lang="es-PE" sz="1100" dirty="0"/>
+              <a:t>(2018) </a:t>
+            </a:r>
+            <a:r>
+              <a:rPr lang="es-PE" sz="1100" dirty="0" err="1"/>
+              <a:t>Perez</a:t>
+            </a:r>
+            <a:r>
+              <a:rPr lang="es-PE" sz="1100" dirty="0"/>
+              <a:t> J - la </a:t>
+            </a:r>
+            <a:r>
+              <a:rPr lang="es-PE" sz="1100" dirty="0" err="1"/>
+              <a:t>formacion</a:t>
+            </a:r>
+            <a:r>
+              <a:rPr lang="es-PE" sz="1100" dirty="0"/>
+              <a:t> del gusto como paradigma de </a:t>
+            </a:r>
+            <a:r>
+              <a:rPr lang="es-PE" sz="1100" dirty="0" err="1"/>
+              <a:t>educacion</a:t>
+            </a:r>
+            <a:r>
+              <a:rPr lang="es-PE" sz="1100" dirty="0"/>
+              <a:t> personalizada</a:t>
+            </a:r>
+          </a:p>
+          <a:p>
+            <a:pPr marL="0" indent="0">
+              <a:lnSpc>
+                <a:spcPct val="100000"/>
+              </a:lnSpc>
+              <a:buNone/>
+            </a:pPr>
+            <a:r>
+              <a:rPr lang="es-PE" sz="1100" dirty="0"/>
+              <a:t>(2018) </a:t>
+            </a:r>
+            <a:r>
+              <a:rPr lang="es-PE" sz="1100" dirty="0" err="1"/>
+              <a:t>Tituaña</a:t>
+            </a:r>
+            <a:r>
+              <a:rPr lang="es-PE" sz="1100" dirty="0"/>
+              <a:t> M - La centralidad del sujeto en la filosofía de la educación de Kant</a:t>
+            </a:r>
+          </a:p>
+          <a:p>
+            <a:pPr marL="0" indent="0">
+              <a:lnSpc>
+                <a:spcPct val="100000"/>
+              </a:lnSpc>
+              <a:buNone/>
+            </a:pPr>
+            <a:r>
+              <a:rPr lang="es-PE" sz="1100" dirty="0"/>
+              <a:t>(2018) </a:t>
+            </a:r>
+            <a:r>
+              <a:rPr lang="es-PE" sz="1100" dirty="0" err="1"/>
+              <a:t>Wanderley</a:t>
+            </a:r>
+            <a:r>
+              <a:rPr lang="es-PE" sz="1100" dirty="0"/>
+              <a:t> R - Educación para la ciudadanía en Kant</a:t>
+            </a:r>
+          </a:p>
+          <a:p>
+            <a:pPr marL="0" indent="0">
+              <a:lnSpc>
+                <a:spcPct val="100000"/>
+              </a:lnSpc>
+              <a:buNone/>
+            </a:pPr>
+            <a:r>
+              <a:rPr lang="es-PE" sz="1100" dirty="0"/>
+              <a:t>(2020) </a:t>
+            </a:r>
+            <a:r>
+              <a:rPr lang="es-PE" sz="1100" dirty="0" err="1"/>
+              <a:t>Anton</a:t>
+            </a:r>
+            <a:r>
+              <a:rPr lang="es-PE" sz="1100" dirty="0"/>
+              <a:t> F - Educación sentimental y afectos en la política</a:t>
+            </a:r>
+          </a:p>
+          <a:p>
+            <a:pPr marL="0" indent="0">
+              <a:lnSpc>
+                <a:spcPct val="100000"/>
+              </a:lnSpc>
+              <a:buNone/>
+            </a:pPr>
+            <a:r>
+              <a:rPr lang="es-PE" sz="1100" dirty="0"/>
+              <a:t>(2020) </a:t>
+            </a:r>
+            <a:r>
+              <a:rPr lang="es-PE" sz="1100" dirty="0" err="1"/>
+              <a:t>Cerqueira</a:t>
+            </a:r>
+            <a:r>
+              <a:rPr lang="es-PE" sz="1100" dirty="0"/>
+              <a:t> V - </a:t>
+            </a:r>
+            <a:r>
+              <a:rPr lang="es-PE" sz="1100" dirty="0" err="1"/>
+              <a:t>Autonomia</a:t>
+            </a:r>
+            <a:r>
+              <a:rPr lang="es-PE" sz="1100" dirty="0"/>
+              <a:t> e </a:t>
+            </a:r>
+            <a:r>
+              <a:rPr lang="es-PE" sz="1100" dirty="0" err="1"/>
+              <a:t>educacao</a:t>
+            </a:r>
+            <a:r>
+              <a:rPr lang="es-PE" sz="1100" dirty="0"/>
+              <a:t> </a:t>
+            </a:r>
+            <a:r>
+              <a:rPr lang="es-PE" sz="1100" dirty="0" err="1"/>
+              <a:t>em</a:t>
+            </a:r>
+            <a:r>
+              <a:rPr lang="es-PE" sz="1100" dirty="0"/>
+              <a:t> </a:t>
+            </a:r>
+            <a:r>
+              <a:rPr lang="es-PE" sz="1100" dirty="0" err="1"/>
+              <a:t>kant</a:t>
+            </a:r>
+            <a:endParaRPr lang="es-PE" sz="1100" dirty="0"/>
+          </a:p>
+          <a:p>
+            <a:pPr marL="0" indent="0">
+              <a:lnSpc>
+                <a:spcPct val="100000"/>
+              </a:lnSpc>
+              <a:buNone/>
+            </a:pPr>
+            <a:r>
+              <a:rPr lang="es-PE" sz="1100" dirty="0"/>
+              <a:t>(2021) </a:t>
+            </a:r>
+            <a:r>
+              <a:rPr lang="es-PE" sz="1100" dirty="0" err="1"/>
+              <a:t>Hernandez</a:t>
+            </a:r>
+            <a:r>
+              <a:rPr lang="es-PE" sz="1100" dirty="0"/>
+              <a:t> F - Pedagogía y educación desde Kant</a:t>
+            </a:r>
+          </a:p>
+          <a:p>
+            <a:pPr marL="0" indent="0">
+              <a:lnSpc>
+                <a:spcPct val="100000"/>
+              </a:lnSpc>
+              <a:buNone/>
+            </a:pPr>
+            <a:r>
+              <a:rPr lang="en-US" sz="1100" dirty="0"/>
+              <a:t>(2021) Martinez M - Philately and didactics pedagogy from </a:t>
+            </a:r>
+            <a:r>
+              <a:rPr lang="en-US" sz="1100" dirty="0" err="1"/>
+              <a:t>spinoza</a:t>
+            </a:r>
+            <a:r>
+              <a:rPr lang="en-US" sz="1100" dirty="0"/>
+              <a:t> to </a:t>
+            </a:r>
+            <a:r>
+              <a:rPr lang="en-US" sz="1100" dirty="0" err="1"/>
+              <a:t>kant</a:t>
+            </a:r>
+            <a:endParaRPr lang="es-PE" sz="1100" dirty="0"/>
+          </a:p>
+          <a:p>
+            <a:pPr marL="0" indent="0">
+              <a:lnSpc>
+                <a:spcPct val="100000"/>
+              </a:lnSpc>
+              <a:buNone/>
+            </a:pPr>
+            <a:r>
+              <a:rPr lang="es-PE" sz="1100" dirty="0"/>
+              <a:t>(2022) Cruz G - Kant la pedagogía de la crítica</a:t>
+            </a:r>
+          </a:p>
+          <a:p>
+            <a:pPr marL="0" indent="0">
+              <a:lnSpc>
+                <a:spcPct val="100000"/>
+              </a:lnSpc>
+              <a:buNone/>
+            </a:pPr>
+            <a:r>
+              <a:rPr lang="es-PE" sz="1100" dirty="0"/>
+              <a:t>(2022) Priego O - La pedagogía en Kant</a:t>
+            </a:r>
+          </a:p>
+          <a:p>
+            <a:pPr marL="0" indent="0">
+              <a:lnSpc>
+                <a:spcPct val="100000"/>
+              </a:lnSpc>
+              <a:buNone/>
+            </a:pPr>
+            <a:r>
+              <a:rPr lang="es-PE" sz="1100" dirty="0"/>
+              <a:t>(2023) </a:t>
+            </a:r>
+            <a:r>
+              <a:rPr lang="es-PE" sz="1100" dirty="0" err="1"/>
+              <a:t>Caceda</a:t>
+            </a:r>
+            <a:r>
+              <a:rPr lang="es-PE" sz="1100" dirty="0"/>
+              <a:t> et al - Las reflexiones pedagógicas de Kant sobre la educación y el progreso</a:t>
+            </a:r>
+          </a:p>
+          <a:p>
+            <a:pPr marL="0" indent="0">
+              <a:lnSpc>
+                <a:spcPct val="100000"/>
+              </a:lnSpc>
+              <a:buNone/>
+            </a:pPr>
+            <a:r>
+              <a:rPr lang="es-PE" sz="1100" dirty="0"/>
+              <a:t>(2023) </a:t>
+            </a:r>
+            <a:r>
+              <a:rPr lang="es-PE" sz="1100" dirty="0" err="1"/>
+              <a:t>Gohar</a:t>
+            </a:r>
+            <a:r>
+              <a:rPr lang="es-PE" sz="1100" dirty="0"/>
+              <a:t> A - revisión crítica de </a:t>
+            </a:r>
+            <a:r>
+              <a:rPr lang="es-PE" sz="1100" dirty="0" err="1"/>
+              <a:t>kant</a:t>
+            </a:r>
+            <a:r>
+              <a:rPr lang="es-PE" sz="1100" dirty="0"/>
+              <a:t> sobre </a:t>
+            </a:r>
+            <a:r>
+              <a:rPr lang="es-PE" sz="1100" dirty="0" err="1"/>
+              <a:t>educ</a:t>
+            </a:r>
+            <a:r>
+              <a:rPr lang="es-PE" sz="1100" dirty="0"/>
+              <a:t> y </a:t>
+            </a:r>
+            <a:r>
+              <a:rPr lang="es-PE" sz="1100" dirty="0" err="1"/>
+              <a:t>etica</a:t>
+            </a:r>
+            <a:endParaRPr lang="es-PE" sz="1100" dirty="0"/>
+          </a:p>
+          <a:p>
+            <a:pPr marL="0" indent="0">
+              <a:lnSpc>
+                <a:spcPct val="100000"/>
+              </a:lnSpc>
+              <a:buNone/>
+            </a:pPr>
+            <a:r>
+              <a:rPr lang="es-PE" sz="1100" dirty="0"/>
+              <a:t>(2023) Ortiz A - Perspectiva kantiana sobre estado y </a:t>
+            </a:r>
+            <a:r>
+              <a:rPr lang="es-PE" sz="1100" dirty="0" err="1"/>
+              <a:t>educacion</a:t>
+            </a:r>
+            <a:endParaRPr lang="es-PE" sz="1100" dirty="0"/>
+          </a:p>
+          <a:p>
+            <a:pPr marL="0" indent="0">
+              <a:lnSpc>
+                <a:spcPct val="100000"/>
+              </a:lnSpc>
+              <a:buNone/>
+            </a:pPr>
+            <a:r>
+              <a:rPr lang="es-PE" sz="1100" dirty="0"/>
+              <a:t>(2023) Rodas et al - Reflexión pedagógica de </a:t>
+            </a:r>
+            <a:r>
+              <a:rPr lang="es-PE" sz="1100" dirty="0" err="1"/>
+              <a:t>kant</a:t>
+            </a:r>
+            <a:r>
+              <a:rPr lang="es-PE" sz="1100" dirty="0"/>
+              <a:t> en la educación y progreso</a:t>
+            </a:r>
+          </a:p>
+          <a:p>
+            <a:pPr marL="0" indent="0">
+              <a:lnSpc>
+                <a:spcPct val="100000"/>
+              </a:lnSpc>
+              <a:buNone/>
+            </a:pPr>
+            <a:r>
+              <a:rPr lang="es-PE" sz="1100" dirty="0"/>
+              <a:t>(2023) Vallejo et al - a propósito del papel de la pedagogía desde Kant</a:t>
+            </a:r>
+          </a:p>
+          <a:p>
+            <a:pPr marL="0" indent="0">
+              <a:lnSpc>
+                <a:spcPct val="100000"/>
+              </a:lnSpc>
+              <a:buNone/>
+            </a:pPr>
+            <a:endParaRPr lang="es-PE" sz="500" dirty="0"/>
+          </a:p>
+        </p:txBody>
+      </p:sp>
+    </p:spTree>
+    <p:extLst>
+      <p:ext uri="{BB962C8B-B14F-4D97-AF65-F5344CB8AC3E}">
+        <p14:creationId xmlns:p14="http://schemas.microsoft.com/office/powerpoint/2010/main" val="2575842822"/>
+      </p:ext>
+    </p:extLst>
+  </p:cSld>
+  <p:clrMapOvr>
+    <a:masterClrMapping/>
+  </p:clrMapOvr>
+</p:sld>
+</file>
+
+<file path=ppt/slides/slide27.xml><?xml version="1.0" encoding="utf-8"?>
+<p:sld xmlns:a="http://schemas.openxmlformats.org/drawingml/2006/main" xmlns:r="http://schemas.openxmlformats.org/officeDocument/2006/relationships" xmlns:p="http://schemas.openxmlformats.org/presentationml/2006/main">
+  <p:cSld>
+    <p:spTree>
+      <p:nvGrpSpPr>
+        <p:cNvPr id="1" name=""/>
+        <p:cNvGrpSpPr/>
+        <p:nvPr/>
+      </p:nvGrpSpPr>
+      <p:grpSpPr>
+        <a:xfrm>
+          <a:off x="0" y="0"/>
+          <a:ext cx="0" cy="0"/>
+          <a:chOff x="0" y="0"/>
+          <a:chExt cx="0" cy="0"/>
+        </a:xfrm>
+      </p:grpSpPr>
+    </p:spTree>
+    <p:extLst>
+      <p:ext uri="{BB962C8B-B14F-4D97-AF65-F5344CB8AC3E}">
+        <p14:creationId xmlns:p14="http://schemas.microsoft.com/office/powerpoint/2010/main" val="1221657350"/>
+      </p:ext>
+    </p:extLst>
+  </p:cSld>
+  <p:clrMapOvr>
+    <a:masterClrMapping/>
+  </p:clrMapOvr>
+</p:sld>
+</file>
+
 <file path=ppt/slides/slide3.xml><?xml version="1.0" encoding="utf-8"?>
 <p:sld xmlns:a="http://schemas.openxmlformats.org/drawingml/2006/main" xmlns:r="http://schemas.openxmlformats.org/officeDocument/2006/relationships" xmlns:p="http://schemas.openxmlformats.org/presentationml/2006/main">
   <p:cSld>

--- a/assets uarm/2023 2 UarmPCrit/tesis docs/esquema tesis expo.pptx
+++ b/assets uarm/2023 2 UarmPCrit/tesis docs/esquema tesis expo.pptx
@@ -31,7 +31,6 @@
     <p:sldId id="278" r:id="rId25"/>
     <p:sldId id="280" r:id="rId26"/>
     <p:sldId id="281" r:id="rId27"/>
-    <p:sldId id="282" r:id="rId28"/>
   </p:sldIdLst>
   <p:sldSz cx="12192000" cy="6858000"/>
   <p:notesSz cx="6858000" cy="9144000"/>
@@ -269,7 +268,7 @@
           <a:p>
             <a:fld id="{A8BB1F61-4653-4993-8BF1-FA75140DA699}" type="datetimeFigureOut">
               <a:rPr lang="es-PE" smtClean="0"/>
-              <a:t>6/11/2023</a:t>
+              <a:t>7/11/2023</a:t>
             </a:fld>
             <a:endParaRPr lang="es-PE"/>
           </a:p>
@@ -439,7 +438,7 @@
           <a:p>
             <a:fld id="{A8BB1F61-4653-4993-8BF1-FA75140DA699}" type="datetimeFigureOut">
               <a:rPr lang="es-PE" smtClean="0"/>
-              <a:t>6/11/2023</a:t>
+              <a:t>7/11/2023</a:t>
             </a:fld>
             <a:endParaRPr lang="es-PE"/>
           </a:p>
@@ -619,7 +618,7 @@
           <a:p>
             <a:fld id="{A8BB1F61-4653-4993-8BF1-FA75140DA699}" type="datetimeFigureOut">
               <a:rPr lang="es-PE" smtClean="0"/>
-              <a:t>6/11/2023</a:t>
+              <a:t>7/11/2023</a:t>
             </a:fld>
             <a:endParaRPr lang="es-PE"/>
           </a:p>
@@ -789,7 +788,7 @@
           <a:p>
             <a:fld id="{A8BB1F61-4653-4993-8BF1-FA75140DA699}" type="datetimeFigureOut">
               <a:rPr lang="es-PE" smtClean="0"/>
-              <a:t>6/11/2023</a:t>
+              <a:t>7/11/2023</a:t>
             </a:fld>
             <a:endParaRPr lang="es-PE"/>
           </a:p>
@@ -1035,7 +1034,7 @@
           <a:p>
             <a:fld id="{A8BB1F61-4653-4993-8BF1-FA75140DA699}" type="datetimeFigureOut">
               <a:rPr lang="es-PE" smtClean="0"/>
-              <a:t>6/11/2023</a:t>
+              <a:t>7/11/2023</a:t>
             </a:fld>
             <a:endParaRPr lang="es-PE"/>
           </a:p>
@@ -1267,7 +1266,7 @@
           <a:p>
             <a:fld id="{A8BB1F61-4653-4993-8BF1-FA75140DA699}" type="datetimeFigureOut">
               <a:rPr lang="es-PE" smtClean="0"/>
-              <a:t>6/11/2023</a:t>
+              <a:t>7/11/2023</a:t>
             </a:fld>
             <a:endParaRPr lang="es-PE"/>
           </a:p>
@@ -1634,7 +1633,7 @@
           <a:p>
             <a:fld id="{A8BB1F61-4653-4993-8BF1-FA75140DA699}" type="datetimeFigureOut">
               <a:rPr lang="es-PE" smtClean="0"/>
-              <a:t>6/11/2023</a:t>
+              <a:t>7/11/2023</a:t>
             </a:fld>
             <a:endParaRPr lang="es-PE"/>
           </a:p>
@@ -1752,7 +1751,7 @@
           <a:p>
             <a:fld id="{A8BB1F61-4653-4993-8BF1-FA75140DA699}" type="datetimeFigureOut">
               <a:rPr lang="es-PE" smtClean="0"/>
-              <a:t>6/11/2023</a:t>
+              <a:t>7/11/2023</a:t>
             </a:fld>
             <a:endParaRPr lang="es-PE"/>
           </a:p>
@@ -1847,7 +1846,7 @@
           <a:p>
             <a:fld id="{A8BB1F61-4653-4993-8BF1-FA75140DA699}" type="datetimeFigureOut">
               <a:rPr lang="es-PE" smtClean="0"/>
-              <a:t>6/11/2023</a:t>
+              <a:t>7/11/2023</a:t>
             </a:fld>
             <a:endParaRPr lang="es-PE"/>
           </a:p>
@@ -2124,7 +2123,7 @@
           <a:p>
             <a:fld id="{A8BB1F61-4653-4993-8BF1-FA75140DA699}" type="datetimeFigureOut">
               <a:rPr lang="es-PE" smtClean="0"/>
-              <a:t>6/11/2023</a:t>
+              <a:t>7/11/2023</a:t>
             </a:fld>
             <a:endParaRPr lang="es-PE"/>
           </a:p>
@@ -2377,7 +2376,7 @@
           <a:p>
             <a:fld id="{A8BB1F61-4653-4993-8BF1-FA75140DA699}" type="datetimeFigureOut">
               <a:rPr lang="es-PE" smtClean="0"/>
-              <a:t>6/11/2023</a:t>
+              <a:t>7/11/2023</a:t>
             </a:fld>
             <a:endParaRPr lang="es-PE"/>
           </a:p>
@@ -2590,7 +2589,7 @@
           <a:p>
             <a:fld id="{A8BB1F61-4653-4993-8BF1-FA75140DA699}" type="datetimeFigureOut">
               <a:rPr lang="es-PE" smtClean="0"/>
-              <a:t>6/11/2023</a:t>
+              <a:t>7/11/2023</a:t>
             </a:fld>
             <a:endParaRPr lang="es-PE"/>
           </a:p>
@@ -6330,7 +6329,15 @@
                   <a:schemeClr val="accent6"/>
                 </a:solidFill>
               </a:rPr>
-              <a:t>Dogmatismo y pensamiento crítico</a:t>
+              <a:t>Dogmatismo, educación pública </a:t>
+            </a:r>
+            <a:r>
+              <a:rPr lang="es-PE" sz="2000" dirty="0" smtClean="0">
+                <a:solidFill>
+                  <a:schemeClr val="accent6"/>
+                </a:solidFill>
+              </a:rPr>
+              <a:t>y pensamiento crítico</a:t>
             </a:r>
           </a:p>
           <a:p>
@@ -7916,36 +7923,6 @@
     <p:extLst>
       <p:ext uri="{BB962C8B-B14F-4D97-AF65-F5344CB8AC3E}">
         <p14:creationId xmlns:p14="http://schemas.microsoft.com/office/powerpoint/2010/main" val="2575842822"/>
-      </p:ext>
-    </p:extLst>
-  </p:cSld>
-  <p:clrMapOvr>
-    <a:masterClrMapping/>
-  </p:clrMapOvr>
-</p:sld>
-</file>
-
-<file path=ppt/slides/slide27.xml><?xml version="1.0" encoding="utf-8"?>
-<p:sld xmlns:a="http://schemas.openxmlformats.org/drawingml/2006/main" xmlns:r="http://schemas.openxmlformats.org/officeDocument/2006/relationships" xmlns:p="http://schemas.openxmlformats.org/presentationml/2006/main">
-  <p:cSld>
-    <p:spTree>
-      <p:nvGrpSpPr>
-        <p:cNvPr id="1" name=""/>
-        <p:cNvGrpSpPr/>
-        <p:nvPr/>
-      </p:nvGrpSpPr>
-      <p:grpSpPr>
-        <a:xfrm>
-          <a:off x="0" y="0"/>
-          <a:ext cx="0" cy="0"/>
-          <a:chOff x="0" y="0"/>
-          <a:chExt cx="0" cy="0"/>
-        </a:xfrm>
-      </p:grpSpPr>
-    </p:spTree>
-    <p:extLst>
-      <p:ext uri="{BB962C8B-B14F-4D97-AF65-F5344CB8AC3E}">
-        <p14:creationId xmlns:p14="http://schemas.microsoft.com/office/powerpoint/2010/main" val="1221657350"/>
       </p:ext>
     </p:extLst>
   </p:cSld>
